--- a/research assignments/assign_1/Personal Presentation Notes - C15311966 Scientific Research & Literature.pptx
+++ b/research assignments/assign_1/Personal Presentation Notes - C15311966 Scientific Research & Literature.pptx
@@ -6,7 +6,11 @@
   </p:sldMasterIdLst>
   <p:sldIdLst>
     <p:sldId id="257" r:id="rId2"/>
-    <p:sldId id="256" r:id="rId3"/>
+    <p:sldId id="258" r:id="rId3"/>
+    <p:sldId id="261" r:id="rId4"/>
+    <p:sldId id="262" r:id="rId5"/>
+    <p:sldId id="259" r:id="rId6"/>
+    <p:sldId id="260" r:id="rId7"/>
   </p:sldIdLst>
   <p:sldSz cx="12192000" cy="6858000"/>
   <p:notesSz cx="6858000" cy="9144000"/>
@@ -105,6 +109,11 @@
       </a:defRPr>
     </a:lvl9pPr>
   </p:defaultTextStyle>
+  <p:extLst>
+    <p:ext uri="{EFAFB233-063F-42B5-8137-9DF3F51BA10A}">
+      <p15:sldGuideLst xmlns:p15="http://schemas.microsoft.com/office/powerpoint/2012/main"/>
+    </p:ext>
+  </p:extLst>
 </p:presentation>
 </file>
 
@@ -6304,7 +6313,7 @@
           <p:cNvPr id="2" name="Title 1">
             <a:extLst>
               <a:ext uri="{FF2B5EF4-FFF2-40B4-BE49-F238E27FC236}">
-                <a16:creationId xmlns:a16="http://schemas.microsoft.com/office/drawing/2014/main" id="{6D26E272-F92F-4CBA-BE36-971CA5759597}"/>
+                <a16:creationId xmlns:a16="http://schemas.microsoft.com/office/drawing/2014/main" id="{A2A0A215-D82E-4A78-AA0D-8E00F67B8601}"/>
               </a:ext>
             </a:extLst>
           </p:cNvPr>
@@ -6312,7 +6321,7 @@
             <a:spLocks noGrp="1"/>
           </p:cNvSpPr>
           <p:nvPr>
-            <p:ph type="ctrTitle"/>
+            <p:ph type="title"/>
           </p:nvPr>
         </p:nvSpPr>
         <p:spPr/>
@@ -6320,16 +6329,20 @@
           <a:bodyPr/>
           <a:lstStyle/>
           <a:p>
-            <a:endParaRPr lang="en-GB"/>
-          </a:p>
-        </p:txBody>
-      </p:sp>
-      <p:sp>
-        <p:nvSpPr>
-          <p:cNvPr id="3" name="Subtitle 2">
+            <a:r>
+              <a:rPr lang="en-US" dirty="0"/>
+              <a:t>What is Meta Analysis?</a:t>
+            </a:r>
+            <a:endParaRPr lang="en-GB" dirty="0"/>
+          </a:p>
+        </p:txBody>
+      </p:sp>
+      <p:sp>
+        <p:nvSpPr>
+          <p:cNvPr id="3" name="Content Placeholder 2">
             <a:extLst>
               <a:ext uri="{FF2B5EF4-FFF2-40B4-BE49-F238E27FC236}">
-                <a16:creationId xmlns:a16="http://schemas.microsoft.com/office/drawing/2014/main" id="{1B5CD212-E05A-4957-B258-6C10A594304F}"/>
+                <a16:creationId xmlns:a16="http://schemas.microsoft.com/office/drawing/2014/main" id="{565D08C2-3249-4EE3-A4EC-A34B5054B64F}"/>
               </a:ext>
             </a:extLst>
           </p:cNvPr>
@@ -6337,7 +6350,7 @@
             <a:spLocks noGrp="1"/>
           </p:cNvSpPr>
           <p:nvPr>
-            <p:ph type="subTitle" idx="1"/>
+            <p:ph idx="1"/>
           </p:nvPr>
         </p:nvSpPr>
         <p:spPr/>
@@ -6345,14 +6358,510 @@
           <a:bodyPr/>
           <a:lstStyle/>
           <a:p>
-            <a:endParaRPr lang="en-GB"/>
+            <a:r>
+              <a:rPr lang="en-US" dirty="0"/>
+              <a:t>It’s a research method that collects smaller studies in order to calculate an final result</a:t>
+            </a:r>
+          </a:p>
+          <a:p>
+            <a:r>
+              <a:rPr lang="en-US" dirty="0"/>
+              <a:t>This is a complicated process as different studies will require different levels of normalization</a:t>
+            </a:r>
+          </a:p>
+          <a:p>
+            <a:r>
+              <a:rPr lang="en-US" dirty="0"/>
+              <a:t>Each study has its limitations whether on its data or results that need to somehow be compared with the latter </a:t>
+            </a:r>
+            <a:endParaRPr lang="en-GB" dirty="0"/>
           </a:p>
         </p:txBody>
       </p:sp>
     </p:spTree>
     <p:extLst>
       <p:ext uri="{BB962C8B-B14F-4D97-AF65-F5344CB8AC3E}">
-        <p14:creationId xmlns:p14="http://schemas.microsoft.com/office/powerpoint/2010/main" val="1142363426"/>
+        <p14:creationId xmlns:p14="http://schemas.microsoft.com/office/powerpoint/2010/main" val="525070894"/>
+      </p:ext>
+    </p:extLst>
+  </p:cSld>
+  <p:clrMapOvr>
+    <a:masterClrMapping/>
+  </p:clrMapOvr>
+</p:sld>
+</file>
+
+<file path=ppt/slides/slide3.xml><?xml version="1.0" encoding="utf-8"?>
+<p:sld xmlns:a="http://schemas.openxmlformats.org/drawingml/2006/main" xmlns:r="http://schemas.openxmlformats.org/officeDocument/2006/relationships" xmlns:p="http://schemas.openxmlformats.org/presentationml/2006/main">
+  <p:cSld>
+    <p:spTree>
+      <p:nvGrpSpPr>
+        <p:cNvPr id="1" name=""/>
+        <p:cNvGrpSpPr/>
+        <p:nvPr/>
+      </p:nvGrpSpPr>
+      <p:grpSpPr>
+        <a:xfrm>
+          <a:off x="0" y="0"/>
+          <a:ext cx="0" cy="0"/>
+          <a:chOff x="0" y="0"/>
+          <a:chExt cx="0" cy="0"/>
+        </a:xfrm>
+      </p:grpSpPr>
+      <p:sp>
+        <p:nvSpPr>
+          <p:cNvPr id="2" name="Title 1">
+            <a:extLst>
+              <a:ext uri="{FF2B5EF4-FFF2-40B4-BE49-F238E27FC236}">
+                <a16:creationId xmlns:a16="http://schemas.microsoft.com/office/drawing/2014/main" id="{E28EA429-2758-492E-B709-2F01B3ECF232}"/>
+              </a:ext>
+            </a:extLst>
+          </p:cNvPr>
+          <p:cNvSpPr>
+            <a:spLocks noGrp="1"/>
+          </p:cNvSpPr>
+          <p:nvPr>
+            <p:ph type="title"/>
+          </p:nvPr>
+        </p:nvSpPr>
+        <p:spPr/>
+        <p:txBody>
+          <a:bodyPr/>
+          <a:lstStyle/>
+          <a:p>
+            <a:r>
+              <a:rPr lang="en-US" dirty="0"/>
+              <a:t>What is Thematic Analysis ?</a:t>
+            </a:r>
+            <a:endParaRPr lang="en-GB" dirty="0"/>
+          </a:p>
+        </p:txBody>
+      </p:sp>
+      <p:sp>
+        <p:nvSpPr>
+          <p:cNvPr id="3" name="Content Placeholder 2">
+            <a:extLst>
+              <a:ext uri="{FF2B5EF4-FFF2-40B4-BE49-F238E27FC236}">
+                <a16:creationId xmlns:a16="http://schemas.microsoft.com/office/drawing/2014/main" id="{5A62AEBC-7715-46EB-93E7-DF6BC01AA123}"/>
+              </a:ext>
+            </a:extLst>
+          </p:cNvPr>
+          <p:cNvSpPr>
+            <a:spLocks noGrp="1"/>
+          </p:cNvSpPr>
+          <p:nvPr>
+            <p:ph idx="1"/>
+          </p:nvPr>
+        </p:nvSpPr>
+        <p:spPr/>
+        <p:txBody>
+          <a:bodyPr/>
+          <a:lstStyle/>
+          <a:p>
+            <a:r>
+              <a:rPr lang="en-US" dirty="0"/>
+              <a:t>Used to find or identify themes in texts</a:t>
+            </a:r>
+          </a:p>
+          <a:p>
+            <a:r>
+              <a:rPr lang="en-US" dirty="0"/>
+              <a:t>Its both Deductive because you can start with a research question or hypothesis </a:t>
+            </a:r>
+          </a:p>
+          <a:p>
+            <a:r>
+              <a:rPr lang="en-US" dirty="0"/>
+              <a:t>However patterns can arise that could generate a theory by the end</a:t>
+            </a:r>
+          </a:p>
+          <a:p>
+            <a:r>
+              <a:rPr lang="en-US" dirty="0"/>
+              <a:t>Since a theme is being identified a case study would be seem like a good approach</a:t>
+            </a:r>
+          </a:p>
+          <a:p>
+            <a:r>
+              <a:rPr lang="en-US" dirty="0"/>
+              <a:t>Grounded Theory for the same reason that the inductive approach can be taken </a:t>
+            </a:r>
+          </a:p>
+        </p:txBody>
+      </p:sp>
+    </p:spTree>
+    <p:extLst>
+      <p:ext uri="{BB962C8B-B14F-4D97-AF65-F5344CB8AC3E}">
+        <p14:creationId xmlns:p14="http://schemas.microsoft.com/office/powerpoint/2010/main" val="561292200"/>
+      </p:ext>
+    </p:extLst>
+  </p:cSld>
+  <p:clrMapOvr>
+    <a:masterClrMapping/>
+  </p:clrMapOvr>
+</p:sld>
+</file>
+
+<file path=ppt/slides/slide4.xml><?xml version="1.0" encoding="utf-8"?>
+<p:sld xmlns:a="http://schemas.openxmlformats.org/drawingml/2006/main" xmlns:r="http://schemas.openxmlformats.org/officeDocument/2006/relationships" xmlns:p="http://schemas.openxmlformats.org/presentationml/2006/main">
+  <p:cSld>
+    <p:spTree>
+      <p:nvGrpSpPr>
+        <p:cNvPr id="1" name=""/>
+        <p:cNvGrpSpPr/>
+        <p:nvPr/>
+      </p:nvGrpSpPr>
+      <p:grpSpPr>
+        <a:xfrm>
+          <a:off x="0" y="0"/>
+          <a:ext cx="0" cy="0"/>
+          <a:chOff x="0" y="0"/>
+          <a:chExt cx="0" cy="0"/>
+        </a:xfrm>
+      </p:grpSpPr>
+      <p:sp>
+        <p:nvSpPr>
+          <p:cNvPr id="2" name="Title 1">
+            <a:extLst>
+              <a:ext uri="{FF2B5EF4-FFF2-40B4-BE49-F238E27FC236}">
+                <a16:creationId xmlns:a16="http://schemas.microsoft.com/office/drawing/2014/main" id="{E7921D1E-C2E2-42DF-9B89-DB27F84A4122}"/>
+              </a:ext>
+            </a:extLst>
+          </p:cNvPr>
+          <p:cNvSpPr>
+            <a:spLocks noGrp="1"/>
+          </p:cNvSpPr>
+          <p:nvPr>
+            <p:ph type="title"/>
+          </p:nvPr>
+        </p:nvSpPr>
+        <p:spPr/>
+        <p:txBody>
+          <a:bodyPr/>
+          <a:lstStyle/>
+          <a:p>
+            <a:r>
+              <a:rPr lang="en-US" dirty="0"/>
+              <a:t> What is Content Analysis?</a:t>
+            </a:r>
+            <a:endParaRPr lang="en-GB" dirty="0"/>
+          </a:p>
+        </p:txBody>
+      </p:sp>
+      <p:sp>
+        <p:nvSpPr>
+          <p:cNvPr id="3" name="Content Placeholder 2">
+            <a:extLst>
+              <a:ext uri="{FF2B5EF4-FFF2-40B4-BE49-F238E27FC236}">
+                <a16:creationId xmlns:a16="http://schemas.microsoft.com/office/drawing/2014/main" id="{A6F1432A-EE39-487C-B38C-959C95BDD7C0}"/>
+              </a:ext>
+            </a:extLst>
+          </p:cNvPr>
+          <p:cNvSpPr>
+            <a:spLocks noGrp="1"/>
+          </p:cNvSpPr>
+          <p:nvPr>
+            <p:ph idx="1"/>
+          </p:nvPr>
+        </p:nvSpPr>
+        <p:spPr/>
+        <p:txBody>
+          <a:bodyPr/>
+          <a:lstStyle/>
+          <a:p>
+            <a:r>
+              <a:rPr lang="en-US" dirty="0"/>
+              <a:t>Similar to Thematic analysis used to </a:t>
+            </a:r>
+            <a:r>
+              <a:rPr lang="en-US" dirty="0" err="1"/>
+              <a:t>analyse</a:t>
+            </a:r>
+            <a:r>
+              <a:rPr lang="en-US" dirty="0"/>
+              <a:t> text, visual, audio or text a good example of  this is NLP or audio processing techniques </a:t>
+            </a:r>
+          </a:p>
+          <a:p>
+            <a:r>
+              <a:rPr lang="en-US" dirty="0"/>
+              <a:t>However in this case its used to find presence of words or concepts</a:t>
+            </a:r>
+          </a:p>
+          <a:p>
+            <a:r>
+              <a:rPr lang="en-US" dirty="0"/>
+              <a:t>Since words can be enumerated in some way, a Quantitative approach would also work in a way</a:t>
+            </a:r>
+          </a:p>
+          <a:p>
+            <a:endParaRPr lang="en-GB" dirty="0"/>
+          </a:p>
+        </p:txBody>
+      </p:sp>
+    </p:spTree>
+    <p:extLst>
+      <p:ext uri="{BB962C8B-B14F-4D97-AF65-F5344CB8AC3E}">
+        <p14:creationId xmlns:p14="http://schemas.microsoft.com/office/powerpoint/2010/main" val="4174411284"/>
+      </p:ext>
+    </p:extLst>
+  </p:cSld>
+  <p:clrMapOvr>
+    <a:masterClrMapping/>
+  </p:clrMapOvr>
+</p:sld>
+</file>
+
+<file path=ppt/slides/slide5.xml><?xml version="1.0" encoding="utf-8"?>
+<p:sld xmlns:a="http://schemas.openxmlformats.org/drawingml/2006/main" xmlns:r="http://schemas.openxmlformats.org/officeDocument/2006/relationships" xmlns:p="http://schemas.openxmlformats.org/presentationml/2006/main">
+  <p:cSld>
+    <p:spTree>
+      <p:nvGrpSpPr>
+        <p:cNvPr id="1" name=""/>
+        <p:cNvGrpSpPr/>
+        <p:nvPr/>
+      </p:nvGrpSpPr>
+      <p:grpSpPr>
+        <a:xfrm>
+          <a:off x="0" y="0"/>
+          <a:ext cx="0" cy="0"/>
+          <a:chOff x="0" y="0"/>
+          <a:chExt cx="0" cy="0"/>
+        </a:xfrm>
+      </p:grpSpPr>
+      <p:sp>
+        <p:nvSpPr>
+          <p:cNvPr id="2" name="Title 1">
+            <a:extLst>
+              <a:ext uri="{FF2B5EF4-FFF2-40B4-BE49-F238E27FC236}">
+                <a16:creationId xmlns:a16="http://schemas.microsoft.com/office/drawing/2014/main" id="{8CDB229C-A1A7-48CD-9100-9B8D3B06426B}"/>
+              </a:ext>
+            </a:extLst>
+          </p:cNvPr>
+          <p:cNvSpPr>
+            <a:spLocks noGrp="1"/>
+          </p:cNvSpPr>
+          <p:nvPr>
+            <p:ph type="title"/>
+          </p:nvPr>
+        </p:nvSpPr>
+        <p:spPr/>
+        <p:txBody>
+          <a:bodyPr/>
+          <a:lstStyle/>
+          <a:p>
+            <a:r>
+              <a:rPr lang="en-US" dirty="0"/>
+              <a:t>References</a:t>
+            </a:r>
+            <a:endParaRPr lang="en-GB" dirty="0"/>
+          </a:p>
+        </p:txBody>
+      </p:sp>
+      <p:sp>
+        <p:nvSpPr>
+          <p:cNvPr id="3" name="Content Placeholder 2">
+            <a:extLst>
+              <a:ext uri="{FF2B5EF4-FFF2-40B4-BE49-F238E27FC236}">
+                <a16:creationId xmlns:a16="http://schemas.microsoft.com/office/drawing/2014/main" id="{1CDA7EFE-03A4-4EF4-808C-F7A4A89164ED}"/>
+              </a:ext>
+            </a:extLst>
+          </p:cNvPr>
+          <p:cNvSpPr>
+            <a:spLocks noGrp="1"/>
+          </p:cNvSpPr>
+          <p:nvPr>
+            <p:ph idx="1"/>
+          </p:nvPr>
+        </p:nvSpPr>
+        <p:spPr/>
+        <p:txBody>
+          <a:bodyPr/>
+          <a:lstStyle/>
+          <a:p>
+            <a:r>
+              <a:rPr lang="en-IE" dirty="0">
+                <a:effectLst/>
+                <a:ea typeface="Calibri" panose="020F0502020204030204" pitchFamily="34" charset="0"/>
+                <a:cs typeface="Calibri" panose="020F0502020204030204" pitchFamily="34" charset="0"/>
+              </a:rPr>
+              <a:t>Shorten, A., &amp; Shorten, B. (2013). What is meta-analysis? </a:t>
+            </a:r>
+            <a:r>
+              <a:rPr lang="en-IE" i="1" dirty="0">
+                <a:effectLst/>
+                <a:ea typeface="Calibri" panose="020F0502020204030204" pitchFamily="34" charset="0"/>
+                <a:cs typeface="Calibri" panose="020F0502020204030204" pitchFamily="34" charset="0"/>
+              </a:rPr>
+              <a:t>Evidence Based Nursing</a:t>
+            </a:r>
+            <a:r>
+              <a:rPr lang="en-IE" dirty="0">
+                <a:effectLst/>
+                <a:ea typeface="Calibri" panose="020F0502020204030204" pitchFamily="34" charset="0"/>
+                <a:cs typeface="Calibri" panose="020F0502020204030204" pitchFamily="34" charset="0"/>
+              </a:rPr>
+              <a:t>, </a:t>
+            </a:r>
+            <a:r>
+              <a:rPr lang="en-IE" i="1" dirty="0">
+                <a:effectLst/>
+                <a:ea typeface="Calibri" panose="020F0502020204030204" pitchFamily="34" charset="0"/>
+                <a:cs typeface="Calibri" panose="020F0502020204030204" pitchFamily="34" charset="0"/>
+              </a:rPr>
+              <a:t>16</a:t>
+            </a:r>
+            <a:r>
+              <a:rPr lang="en-IE" dirty="0">
+                <a:effectLst/>
+                <a:ea typeface="Calibri" panose="020F0502020204030204" pitchFamily="34" charset="0"/>
+                <a:cs typeface="Calibri" panose="020F0502020204030204" pitchFamily="34" charset="0"/>
+              </a:rPr>
+              <a:t>(1), 3. https://doi.org/10.1136/eb-2012-101118</a:t>
+            </a:r>
+            <a:endParaRPr lang="en-GB" dirty="0">
+              <a:effectLst/>
+              <a:ea typeface="Calibri" panose="020F0502020204030204" pitchFamily="34" charset="0"/>
+              <a:cs typeface="Times New Roman" panose="02020603050405020304" pitchFamily="18" charset="0"/>
+            </a:endParaRPr>
+          </a:p>
+          <a:p>
+            <a:r>
+              <a:rPr lang="en-GB" dirty="0"/>
+              <a:t>Caulfield, J. (2020, August 14). How to do thematic analysis. </a:t>
+            </a:r>
+          </a:p>
+          <a:p>
+            <a:pPr lvl="1"/>
+            <a:r>
+              <a:rPr lang="en-GB" dirty="0"/>
+              <a:t>Retrieved from </a:t>
+            </a:r>
+            <a:r>
+              <a:rPr lang="en-GB" dirty="0" err="1"/>
+              <a:t>Scribbr</a:t>
+            </a:r>
+            <a:r>
+              <a:rPr lang="en-GB" dirty="0"/>
+              <a:t>: https://www.scribbr.com/methodology/</a:t>
+            </a:r>
+            <a:r>
+              <a:rPr lang="en-GB"/>
+              <a:t>thematic-analysis/</a:t>
+            </a:r>
+            <a:endParaRPr lang="en-GB" dirty="0"/>
+          </a:p>
+          <a:p>
+            <a:r>
+              <a:rPr lang="en-GB" dirty="0"/>
+              <a:t>Luo, A. (2020, June 19). What is content analysis and how can you use it in your research? </a:t>
+            </a:r>
+          </a:p>
+          <a:p>
+            <a:pPr lvl="1"/>
+            <a:r>
+              <a:rPr lang="en-GB" dirty="0"/>
+              <a:t>Retrieved from </a:t>
+            </a:r>
+            <a:r>
+              <a:rPr lang="en-GB" dirty="0" err="1"/>
+              <a:t>Scribbr</a:t>
+            </a:r>
+            <a:r>
+              <a:rPr lang="en-GB" dirty="0"/>
+              <a:t>: https://www.scribbr.com/methodology/content-analysis/</a:t>
+            </a:r>
+          </a:p>
+        </p:txBody>
+      </p:sp>
+    </p:spTree>
+    <p:extLst>
+      <p:ext uri="{BB962C8B-B14F-4D97-AF65-F5344CB8AC3E}">
+        <p14:creationId xmlns:p14="http://schemas.microsoft.com/office/powerpoint/2010/main" val="2995219761"/>
+      </p:ext>
+    </p:extLst>
+  </p:cSld>
+  <p:clrMapOvr>
+    <a:masterClrMapping/>
+  </p:clrMapOvr>
+</p:sld>
+</file>
+
+<file path=ppt/slides/slide6.xml><?xml version="1.0" encoding="utf-8"?>
+<p:sld xmlns:a="http://schemas.openxmlformats.org/drawingml/2006/main" xmlns:r="http://schemas.openxmlformats.org/officeDocument/2006/relationships" xmlns:p="http://schemas.openxmlformats.org/presentationml/2006/main">
+  <p:cSld>
+    <p:spTree>
+      <p:nvGrpSpPr>
+        <p:cNvPr id="1" name=""/>
+        <p:cNvGrpSpPr/>
+        <p:nvPr/>
+      </p:nvGrpSpPr>
+      <p:grpSpPr>
+        <a:xfrm>
+          <a:off x="0" y="0"/>
+          <a:ext cx="0" cy="0"/>
+          <a:chOff x="0" y="0"/>
+          <a:chExt cx="0" cy="0"/>
+        </a:xfrm>
+      </p:grpSpPr>
+      <p:sp>
+        <p:nvSpPr>
+          <p:cNvPr id="2" name="Title 1">
+            <a:extLst>
+              <a:ext uri="{FF2B5EF4-FFF2-40B4-BE49-F238E27FC236}">
+                <a16:creationId xmlns:a16="http://schemas.microsoft.com/office/drawing/2014/main" id="{2D8CA88D-A487-4894-83F4-57F271392C95}"/>
+              </a:ext>
+            </a:extLst>
+          </p:cNvPr>
+          <p:cNvSpPr>
+            <a:spLocks noGrp="1"/>
+          </p:cNvSpPr>
+          <p:nvPr>
+            <p:ph type="title"/>
+          </p:nvPr>
+        </p:nvSpPr>
+        <p:spPr/>
+        <p:txBody>
+          <a:bodyPr/>
+          <a:lstStyle/>
+          <a:p>
+            <a:r>
+              <a:rPr lang="en-US" dirty="0"/>
+              <a:t>Notes – post presentation/Q&amp;A</a:t>
+            </a:r>
+            <a:endParaRPr lang="en-GB" dirty="0"/>
+          </a:p>
+        </p:txBody>
+      </p:sp>
+      <p:sp>
+        <p:nvSpPr>
+          <p:cNvPr id="3" name="Content Placeholder 2">
+            <a:extLst>
+              <a:ext uri="{FF2B5EF4-FFF2-40B4-BE49-F238E27FC236}">
+                <a16:creationId xmlns:a16="http://schemas.microsoft.com/office/drawing/2014/main" id="{28669EFD-23BF-4137-A6CC-80A2822A45DE}"/>
+              </a:ext>
+            </a:extLst>
+          </p:cNvPr>
+          <p:cNvSpPr>
+            <a:spLocks noGrp="1"/>
+          </p:cNvSpPr>
+          <p:nvPr>
+            <p:ph idx="1"/>
+          </p:nvPr>
+        </p:nvSpPr>
+        <p:spPr/>
+        <p:txBody>
+          <a:bodyPr/>
+          <a:lstStyle/>
+          <a:p>
+            <a:endParaRPr lang="en-GB" dirty="0"/>
+          </a:p>
+        </p:txBody>
+      </p:sp>
+    </p:spTree>
+    <p:extLst>
+      <p:ext uri="{BB962C8B-B14F-4D97-AF65-F5344CB8AC3E}">
+        <p14:creationId xmlns:p14="http://schemas.microsoft.com/office/powerpoint/2010/main" val="1443915567"/>
       </p:ext>
     </p:extLst>
   </p:cSld>
